--- a/презентация.pptx
+++ b/презентация.pptx
@@ -4965,7 +4965,15 @@
         <a:p>
           <a:r>
             <a:rPr lang="ru-RU" dirty="0"/>
-            <a:t>Рулонных штор, управляемых по </a:t>
+            <a:t>Разработать инструкцию по созданию</a:t>
+          </a:r>
+          <a:r>
+            <a:rPr lang="en-US" dirty="0"/>
+            <a:t> </a:t>
+          </a:r>
+          <a:r>
+            <a:rPr lang="ru-RU" dirty="0"/>
+            <a:t>рулонных штор, управляемых по </a:t>
           </a:r>
           <a:r>
             <a:rPr lang="en-US" dirty="0"/>
@@ -5006,7 +5014,15 @@
         <a:p>
           <a:r>
             <a:rPr lang="ru-RU" dirty="0"/>
-            <a:t>Устройства для отслеживания температуры и влажности</a:t>
+            <a:t>Разработать инструкцию по созданию</a:t>
+          </a:r>
+          <a:r>
+            <a:rPr lang="en-US" dirty="0"/>
+            <a:t> </a:t>
+          </a:r>
+          <a:r>
+            <a:rPr lang="ru-RU" dirty="0"/>
+            <a:t>устройства для отслеживания температуры и влажности</a:t>
           </a:r>
         </a:p>
       </dgm:t>
@@ -5042,7 +5058,15 @@
         <a:p>
           <a:r>
             <a:rPr lang="ru-RU" dirty="0"/>
-            <a:t>Лампочки, управляемой по </a:t>
+            <a:t>Разработать инструкцию по созданию</a:t>
+          </a:r>
+          <a:r>
+            <a:rPr lang="en-US" dirty="0"/>
+            <a:t> </a:t>
+          </a:r>
+          <a:r>
+            <a:rPr lang="ru-RU" dirty="0"/>
+            <a:t>лампочки, управляемой по </a:t>
           </a:r>
           <a:r>
             <a:rPr lang="en-US" dirty="0"/>
@@ -5083,7 +5107,15 @@
         <a:p>
           <a:r>
             <a:rPr lang="ru-RU" dirty="0"/>
-            <a:t>Камеры, передающей изображение на сервер по </a:t>
+            <a:t>Разработать инструкцию по созданию</a:t>
+          </a:r>
+          <a:r>
+            <a:rPr lang="en-US" dirty="0"/>
+            <a:t> </a:t>
+          </a:r>
+          <a:r>
+            <a:rPr lang="ru-RU" dirty="0"/>
+            <a:t>камеры, передающей изображение на сервер по </a:t>
           </a:r>
           <a:r>
             <a:rPr lang="en-US" dirty="0" err="1"/>
@@ -5118,6 +5150,55 @@
         </a:p>
       </dgm:t>
     </dgm:pt>
+    <dgm:pt modelId="{D38C7EBC-7F49-4CB5-8AB1-E44E593CF92A}">
+      <dgm:prSet/>
+      <dgm:spPr/>
+      <dgm:t>
+        <a:bodyPr/>
+        <a:lstStyle/>
+        <a:p>
+          <a:r>
+            <a:rPr lang="ru-RU" b="1" dirty="0"/>
+            <a:t>Разработать инструкцию по объединению вышеперечисленных устройств в сеть умного дома с голосовым помощником </a:t>
+          </a:r>
+          <a:r>
+            <a:rPr lang="en-US" b="1" dirty="0"/>
+            <a:t>“</a:t>
+          </a:r>
+          <a:r>
+            <a:rPr lang="ru-RU" b="1" dirty="0"/>
+            <a:t>Яндекс Алиса</a:t>
+          </a:r>
+          <a:r>
+            <a:rPr lang="en-US" b="1" dirty="0"/>
+            <a:t>”</a:t>
+          </a:r>
+          <a:endParaRPr lang="ru-RU" b="1" dirty="0"/>
+        </a:p>
+      </dgm:t>
+    </dgm:pt>
+    <dgm:pt modelId="{3053E8D9-B232-4CF4-B6B5-7C76F0FAA1A9}" type="parTrans" cxnId="{28C26C5C-2304-4F4F-800E-A78D86CD8E92}">
+      <dgm:prSet/>
+      <dgm:spPr/>
+      <dgm:t>
+        <a:bodyPr/>
+        <a:lstStyle/>
+        <a:p>
+          <a:endParaRPr lang="ru-RU"/>
+        </a:p>
+      </dgm:t>
+    </dgm:pt>
+    <dgm:pt modelId="{5142E28B-BD7B-44B1-803F-551CC24D4206}" type="sibTrans" cxnId="{28C26C5C-2304-4F4F-800E-A78D86CD8E92}">
+      <dgm:prSet/>
+      <dgm:spPr/>
+      <dgm:t>
+        <a:bodyPr/>
+        <a:lstStyle/>
+        <a:p>
+          <a:endParaRPr lang="ru-RU"/>
+        </a:p>
+      </dgm:t>
+    </dgm:pt>
     <dgm:pt modelId="{C43F4DDE-79E9-4192-A676-D3592B769F6D}" type="pres">
       <dgm:prSet presAssocID="{D728A083-C459-4DD9-AE22-53CF745AED59}" presName="linear" presStyleCnt="0">
         <dgm:presLayoutVars>
@@ -5128,7 +5209,7 @@
       <dgm:spPr/>
     </dgm:pt>
     <dgm:pt modelId="{7D4D61B3-8602-4862-87EE-2F637CFC7319}" type="pres">
-      <dgm:prSet presAssocID="{44F8263F-459F-4E64-A7A4-B5AD7686CE0B}" presName="parentText" presStyleLbl="node1" presStyleIdx="0" presStyleCnt="4">
+      <dgm:prSet presAssocID="{44F8263F-459F-4E64-A7A4-B5AD7686CE0B}" presName="parentText" presStyleLbl="node1" presStyleIdx="0" presStyleCnt="5">
         <dgm:presLayoutVars>
           <dgm:chMax val="0"/>
           <dgm:bulletEnabled val="1"/>
@@ -5141,7 +5222,7 @@
       <dgm:spPr/>
     </dgm:pt>
     <dgm:pt modelId="{B6D5AFAC-D426-4DF9-B749-A85ECC301A17}" type="pres">
-      <dgm:prSet presAssocID="{330B3B39-18E9-475B-BFB5-CBF49EDFF805}" presName="parentText" presStyleLbl="node1" presStyleIdx="1" presStyleCnt="4">
+      <dgm:prSet presAssocID="{330B3B39-18E9-475B-BFB5-CBF49EDFF805}" presName="parentText" presStyleLbl="node1" presStyleIdx="1" presStyleCnt="5">
         <dgm:presLayoutVars>
           <dgm:chMax val="0"/>
           <dgm:bulletEnabled val="1"/>
@@ -5154,7 +5235,7 @@
       <dgm:spPr/>
     </dgm:pt>
     <dgm:pt modelId="{3B0F0906-D673-447C-9FDA-8AD18636AFA9}" type="pres">
-      <dgm:prSet presAssocID="{869ABFAE-E471-44D9-A6E1-FD3106FDFDE6}" presName="parentText" presStyleLbl="node1" presStyleIdx="2" presStyleCnt="4">
+      <dgm:prSet presAssocID="{869ABFAE-E471-44D9-A6E1-FD3106FDFDE6}" presName="parentText" presStyleLbl="node1" presStyleIdx="2" presStyleCnt="5">
         <dgm:presLayoutVars>
           <dgm:chMax val="0"/>
           <dgm:bulletEnabled val="1"/>
@@ -5167,7 +5248,20 @@
       <dgm:spPr/>
     </dgm:pt>
     <dgm:pt modelId="{2E46547F-0EF3-4633-87F8-9900BD9E2B26}" type="pres">
-      <dgm:prSet presAssocID="{EE79A557-AA99-4B13-A2BC-BBAF6B9B277A}" presName="parentText" presStyleLbl="node1" presStyleIdx="3" presStyleCnt="4">
+      <dgm:prSet presAssocID="{EE79A557-AA99-4B13-A2BC-BBAF6B9B277A}" presName="parentText" presStyleLbl="node1" presStyleIdx="3" presStyleCnt="5">
+        <dgm:presLayoutVars>
+          <dgm:chMax val="0"/>
+          <dgm:bulletEnabled val="1"/>
+        </dgm:presLayoutVars>
+      </dgm:prSet>
+      <dgm:spPr/>
+    </dgm:pt>
+    <dgm:pt modelId="{ECC7F163-BB98-4CCE-861B-F8F4D3400BA2}" type="pres">
+      <dgm:prSet presAssocID="{595025DC-7CD6-448F-B7E0-852D618C213F}" presName="spacer" presStyleCnt="0"/>
+      <dgm:spPr/>
+    </dgm:pt>
+    <dgm:pt modelId="{4B66865A-4297-4272-A763-E2BCEFDF629A}" type="pres">
+      <dgm:prSet presAssocID="{D38C7EBC-7F49-4CB5-8AB1-E44E593CF92A}" presName="parentText" presStyleLbl="node1" presStyleIdx="4" presStyleCnt="5">
         <dgm:presLayoutVars>
           <dgm:chMax val="0"/>
           <dgm:bulletEnabled val="1"/>
@@ -5178,7 +5272,9 @@
   </dgm:ptLst>
   <dgm:cxnLst>
     <dgm:cxn modelId="{59854735-ABAA-44CF-BE75-F4014D206AC8}" srcId="{D728A083-C459-4DD9-AE22-53CF745AED59}" destId="{44F8263F-459F-4E64-A7A4-B5AD7686CE0B}" srcOrd="0" destOrd="0" parTransId="{C44643E8-E56F-4F24-817F-D2EF11B4783C}" sibTransId="{718D6843-5E27-4AFE-91C0-28A7461277F6}"/>
+    <dgm:cxn modelId="{28C26C5C-2304-4F4F-800E-A78D86CD8E92}" srcId="{D728A083-C459-4DD9-AE22-53CF745AED59}" destId="{D38C7EBC-7F49-4CB5-8AB1-E44E593CF92A}" srcOrd="4" destOrd="0" parTransId="{3053E8D9-B232-4CF4-B6B5-7C76F0FAA1A9}" sibTransId="{5142E28B-BD7B-44B1-803F-551CC24D4206}"/>
     <dgm:cxn modelId="{A0838046-E165-48A4-8A30-E79E13A14A46}" srcId="{D728A083-C459-4DD9-AE22-53CF745AED59}" destId="{869ABFAE-E471-44D9-A6E1-FD3106FDFDE6}" srcOrd="2" destOrd="0" parTransId="{3D0E4CC7-95B4-40E5-95E8-DD852091CB59}" sibTransId="{2F9F24F6-78A0-47EE-A680-817535B804DA}"/>
+    <dgm:cxn modelId="{52936567-D889-4128-9CDB-75FFB59DE6EC}" type="presOf" srcId="{D38C7EBC-7F49-4CB5-8AB1-E44E593CF92A}" destId="{4B66865A-4297-4272-A763-E2BCEFDF629A}" srcOrd="0" destOrd="0" presId="urn:microsoft.com/office/officeart/2005/8/layout/vList2#1"/>
     <dgm:cxn modelId="{89EB3371-C78D-4997-8F00-C0641864DFCF}" type="presOf" srcId="{869ABFAE-E471-44D9-A6E1-FD3106FDFDE6}" destId="{3B0F0906-D673-447C-9FDA-8AD18636AFA9}" srcOrd="0" destOrd="0" presId="urn:microsoft.com/office/officeart/2005/8/layout/vList2#1"/>
     <dgm:cxn modelId="{F0FF6252-4D4E-4E38-8EED-DB89C795803A}" type="presOf" srcId="{44F8263F-459F-4E64-A7A4-B5AD7686CE0B}" destId="{7D4D61B3-8602-4862-87EE-2F637CFC7319}" srcOrd="0" destOrd="0" presId="urn:microsoft.com/office/officeart/2005/8/layout/vList2#1"/>
     <dgm:cxn modelId="{8749B38C-E451-4E52-915C-0092A589248F}" type="presOf" srcId="{D728A083-C459-4DD9-AE22-53CF745AED59}" destId="{C43F4DDE-79E9-4192-A676-D3592B769F6D}" srcOrd="0" destOrd="0" presId="urn:microsoft.com/office/officeart/2005/8/layout/vList2#1"/>
@@ -5193,6 +5289,8 @@
     <dgm:cxn modelId="{98F919F6-43F7-47DB-AEDA-287AF192ADC1}" type="presParOf" srcId="{C43F4DDE-79E9-4192-A676-D3592B769F6D}" destId="{3B0F0906-D673-447C-9FDA-8AD18636AFA9}" srcOrd="4" destOrd="0" presId="urn:microsoft.com/office/officeart/2005/8/layout/vList2#1"/>
     <dgm:cxn modelId="{E80F3298-B1AD-47A9-A618-CA181D63B486}" type="presParOf" srcId="{C43F4DDE-79E9-4192-A676-D3592B769F6D}" destId="{42C45EC9-D58C-45D8-83A4-DC6203E95B93}" srcOrd="5" destOrd="0" presId="urn:microsoft.com/office/officeart/2005/8/layout/vList2#1"/>
     <dgm:cxn modelId="{64D627BD-6CEF-414F-A2BF-CB83D31DC4CA}" type="presParOf" srcId="{C43F4DDE-79E9-4192-A676-D3592B769F6D}" destId="{2E46547F-0EF3-4633-87F8-9900BD9E2B26}" srcOrd="6" destOrd="0" presId="urn:microsoft.com/office/officeart/2005/8/layout/vList2#1"/>
+    <dgm:cxn modelId="{5F4EEA86-85B8-4A01-9B13-1E8B5275ED5E}" type="presParOf" srcId="{C43F4DDE-79E9-4192-A676-D3592B769F6D}" destId="{ECC7F163-BB98-4CCE-861B-F8F4D3400BA2}" srcOrd="7" destOrd="0" presId="urn:microsoft.com/office/officeart/2005/8/layout/vList2#1"/>
+    <dgm:cxn modelId="{8B05A6F6-8573-466F-BACF-AFBD7A6E1A75}" type="presParOf" srcId="{C43F4DDE-79E9-4192-A676-D3592B769F6D}" destId="{4B66865A-4297-4272-A763-E2BCEFDF629A}" srcOrd="8" destOrd="0" presId="urn:microsoft.com/office/officeart/2005/8/layout/vList2#1"/>
   </dgm:cxnLst>
   <dgm:bg/>
   <dgm:whole/>
@@ -6995,8 +7093,8 @@
       </dsp:nvSpPr>
       <dsp:spPr bwMode="white">
         <a:xfrm>
-          <a:off x="0" y="174816"/>
-          <a:ext cx="5558489" cy="407745"/>
+          <a:off x="0" y="105254"/>
+          <a:ext cx="5558489" cy="950990"/>
         </a:xfrm>
         <a:prstGeom prst="roundRect">
           <a:avLst/>
@@ -7057,7 +7155,15 @@
           </a:pPr>
           <a:r>
             <a:rPr lang="ru-RU" sz="1700" kern="1200" dirty="0"/>
-            <a:t>Рулонных штор, управляемых по </a:t>
+            <a:t>Разработать инструкцию по созданию</a:t>
+          </a:r>
+          <a:r>
+            <a:rPr lang="en-US" sz="1700" kern="1200" dirty="0"/>
+            <a:t> </a:t>
+          </a:r>
+          <a:r>
+            <a:rPr lang="ru-RU" sz="1700" kern="1200" dirty="0"/>
+            <a:t>рулонных штор, управляемых по </a:t>
           </a:r>
           <a:r>
             <a:rPr lang="en-US" sz="1700" kern="1200" dirty="0"/>
@@ -7067,8 +7173,8 @@
         </a:p>
       </dsp:txBody>
       <dsp:txXfrm>
-        <a:off x="19904" y="194720"/>
-        <a:ext cx="5518681" cy="367937"/>
+        <a:off x="46424" y="151678"/>
+        <a:ext cx="5465641" cy="858142"/>
       </dsp:txXfrm>
     </dsp:sp>
     <dsp:sp modelId="{B6D5AFAC-D426-4DF9-B749-A85ECC301A17}">
@@ -7078,17 +7184,17 @@
       </dsp:nvSpPr>
       <dsp:spPr bwMode="white">
         <a:xfrm>
-          <a:off x="0" y="631521"/>
-          <a:ext cx="5558489" cy="407745"/>
+          <a:off x="0" y="1105205"/>
+          <a:ext cx="5558489" cy="950990"/>
         </a:xfrm>
         <a:prstGeom prst="roundRect">
           <a:avLst/>
         </a:prstGeom>
         <a:solidFill>
           <a:schemeClr val="accent5">
-            <a:hueOff val="-2451115"/>
-            <a:satOff val="-3409"/>
-            <a:lumOff val="-1307"/>
+            <a:hueOff val="-1838336"/>
+            <a:satOff val="-2557"/>
+            <a:lumOff val="-981"/>
             <a:alphaOff val="0"/>
           </a:schemeClr>
         </a:solidFill>
@@ -7140,13 +7246,21 @@
           </a:pPr>
           <a:r>
             <a:rPr lang="ru-RU" sz="1700" kern="1200" dirty="0"/>
-            <a:t>Устройства для отслеживания температуры и влажности</a:t>
+            <a:t>Разработать инструкцию по созданию</a:t>
+          </a:r>
+          <a:r>
+            <a:rPr lang="en-US" sz="1700" kern="1200" dirty="0"/>
+            <a:t> </a:t>
+          </a:r>
+          <a:r>
+            <a:rPr lang="ru-RU" sz="1700" kern="1200" dirty="0"/>
+            <a:t>устройства для отслеживания температуры и влажности</a:t>
           </a:r>
         </a:p>
       </dsp:txBody>
       <dsp:txXfrm>
-        <a:off x="19904" y="651425"/>
-        <a:ext cx="5518681" cy="367937"/>
+        <a:off x="46424" y="1151629"/>
+        <a:ext cx="5465641" cy="858142"/>
       </dsp:txXfrm>
     </dsp:sp>
     <dsp:sp modelId="{3B0F0906-D673-447C-9FDA-8AD18636AFA9}">
@@ -7156,17 +7270,17 @@
       </dsp:nvSpPr>
       <dsp:spPr bwMode="white">
         <a:xfrm>
-          <a:off x="0" y="1088226"/>
-          <a:ext cx="5558489" cy="407745"/>
+          <a:off x="0" y="2105155"/>
+          <a:ext cx="5558489" cy="950990"/>
         </a:xfrm>
         <a:prstGeom prst="roundRect">
           <a:avLst/>
         </a:prstGeom>
         <a:solidFill>
           <a:schemeClr val="accent5">
-            <a:hueOff val="-4902230"/>
-            <a:satOff val="-6819"/>
-            <a:lumOff val="-2615"/>
+            <a:hueOff val="-3676672"/>
+            <a:satOff val="-5114"/>
+            <a:lumOff val="-1961"/>
             <a:alphaOff val="0"/>
           </a:schemeClr>
         </a:solidFill>
@@ -7218,7 +7332,15 @@
           </a:pPr>
           <a:r>
             <a:rPr lang="ru-RU" sz="1700" kern="1200" dirty="0"/>
-            <a:t>Лампочки, управляемой по </a:t>
+            <a:t>Разработать инструкцию по созданию</a:t>
+          </a:r>
+          <a:r>
+            <a:rPr lang="en-US" sz="1700" kern="1200" dirty="0"/>
+            <a:t> </a:t>
+          </a:r>
+          <a:r>
+            <a:rPr lang="ru-RU" sz="1700" kern="1200" dirty="0"/>
+            <a:t>лампочки, управляемой по </a:t>
           </a:r>
           <a:r>
             <a:rPr lang="en-US" sz="1700" kern="1200" dirty="0"/>
@@ -7228,8 +7350,8 @@
         </a:p>
       </dsp:txBody>
       <dsp:txXfrm>
-        <a:off x="19904" y="1108130"/>
-        <a:ext cx="5518681" cy="367937"/>
+        <a:off x="46424" y="2151579"/>
+        <a:ext cx="5465641" cy="858142"/>
       </dsp:txXfrm>
     </dsp:sp>
     <dsp:sp modelId="{2E46547F-0EF3-4633-87F8-9900BD9E2B26}">
@@ -7239,8 +7361,102 @@
       </dsp:nvSpPr>
       <dsp:spPr bwMode="white">
         <a:xfrm>
-          <a:off x="0" y="1544931"/>
-          <a:ext cx="5558489" cy="407745"/>
+          <a:off x="0" y="3105106"/>
+          <a:ext cx="5558489" cy="950990"/>
+        </a:xfrm>
+        <a:prstGeom prst="roundRect">
+          <a:avLst/>
+        </a:prstGeom>
+        <a:solidFill>
+          <a:schemeClr val="accent5">
+            <a:hueOff val="-5515009"/>
+            <a:satOff val="-7671"/>
+            <a:lumOff val="-2942"/>
+            <a:alphaOff val="0"/>
+          </a:schemeClr>
+        </a:solidFill>
+        <a:ln w="12700" cap="flat" cmpd="sng" algn="ctr">
+          <a:solidFill>
+            <a:schemeClr val="lt1">
+              <a:hueOff val="0"/>
+              <a:satOff val="0"/>
+              <a:lumOff val="0"/>
+              <a:alphaOff val="0"/>
+            </a:schemeClr>
+          </a:solidFill>
+          <a:prstDash val="solid"/>
+          <a:miter lim="800000"/>
+        </a:ln>
+        <a:effectLst/>
+      </dsp:spPr>
+      <dsp:style>
+        <a:lnRef idx="2">
+          <a:scrgbClr r="0" g="0" b="0"/>
+        </a:lnRef>
+        <a:fillRef idx="1">
+          <a:scrgbClr r="0" g="0" b="0"/>
+        </a:fillRef>
+        <a:effectRef idx="0">
+          <a:scrgbClr r="0" g="0" b="0"/>
+        </a:effectRef>
+        <a:fontRef idx="minor">
+          <a:schemeClr val="lt1"/>
+        </a:fontRef>
+      </dsp:style>
+      <dsp:txBody>
+        <a:bodyPr spcFirstLastPara="0" vert="horz" wrap="square" lIns="64770" tIns="64770" rIns="64770" bIns="64770" numCol="1" spcCol="1270" anchor="ctr" anchorCtr="0">
+          <a:noAutofit/>
+        </a:bodyPr>
+        <a:lstStyle/>
+        <a:p>
+          <a:pPr marL="0" lvl="0" indent="0" algn="l" defTabSz="755650">
+            <a:lnSpc>
+              <a:spcPct val="90000"/>
+            </a:lnSpc>
+            <a:spcBef>
+              <a:spcPct val="0"/>
+            </a:spcBef>
+            <a:spcAft>
+              <a:spcPct val="35000"/>
+            </a:spcAft>
+            <a:buNone/>
+          </a:pPr>
+          <a:r>
+            <a:rPr lang="ru-RU" sz="1700" kern="1200" dirty="0"/>
+            <a:t>Разработать инструкцию по созданию</a:t>
+          </a:r>
+          <a:r>
+            <a:rPr lang="en-US" sz="1700" kern="1200" dirty="0"/>
+            <a:t> </a:t>
+          </a:r>
+          <a:r>
+            <a:rPr lang="ru-RU" sz="1700" kern="1200" dirty="0"/>
+            <a:t>камеры, передающей изображение на сервер по </a:t>
+          </a:r>
+          <a:r>
+            <a:rPr lang="en-US" sz="1700" kern="1200" dirty="0" err="1"/>
+            <a:t>wifi</a:t>
+          </a:r>
+          <a:r>
+            <a:rPr lang="ru-RU" sz="1700" kern="1200" dirty="0"/>
+            <a:t> </a:t>
+          </a:r>
+        </a:p>
+      </dsp:txBody>
+      <dsp:txXfrm>
+        <a:off x="46424" y="3151530"/>
+        <a:ext cx="5465641" cy="858142"/>
+      </dsp:txXfrm>
+    </dsp:sp>
+    <dsp:sp modelId="{4B66865A-4297-4272-A763-E2BCEFDF629A}">
+      <dsp:nvSpPr>
+        <dsp:cNvPr id="0" name=""/>
+        <dsp:cNvSpPr/>
+      </dsp:nvSpPr>
+      <dsp:spPr>
+        <a:xfrm>
+          <a:off x="0" y="4105056"/>
+          <a:ext cx="5558489" cy="950990"/>
         </a:xfrm>
         <a:prstGeom prst="roundRect">
           <a:avLst/>
@@ -7300,22 +7516,27 @@
             <a:buNone/>
           </a:pPr>
           <a:r>
-            <a:rPr lang="ru-RU" sz="1700" kern="1200" dirty="0"/>
-            <a:t>Камеры, передающей изображение на сервер по </a:t>
+            <a:rPr lang="ru-RU" sz="1700" b="1" kern="1200" dirty="0"/>
+            <a:t>Разработать инструкцию по объединению вышеперечисленных устройств в сеть умного дома с голосовым помощником </a:t>
           </a:r>
           <a:r>
-            <a:rPr lang="en-US" sz="1700" kern="1200" dirty="0" err="1"/>
-            <a:t>wifi</a:t>
+            <a:rPr lang="en-US" sz="1700" b="1" kern="1200" dirty="0"/>
+            <a:t>“</a:t>
           </a:r>
           <a:r>
-            <a:rPr lang="ru-RU" sz="1700" kern="1200" dirty="0"/>
-            <a:t> </a:t>
+            <a:rPr lang="ru-RU" sz="1700" b="1" kern="1200" dirty="0"/>
+            <a:t>Яндекс Алиса</a:t>
           </a:r>
+          <a:r>
+            <a:rPr lang="en-US" sz="1700" b="1" kern="1200" dirty="0"/>
+            <a:t>”</a:t>
+          </a:r>
+          <a:endParaRPr lang="ru-RU" sz="1700" b="1" kern="1200" dirty="0"/>
         </a:p>
       </dsp:txBody>
       <dsp:txXfrm>
-        <a:off x="19904" y="1564835"/>
-        <a:ext cx="5518681" cy="367937"/>
+        <a:off x="46424" y="4151480"/>
+        <a:ext cx="5465641" cy="858142"/>
       </dsp:txXfrm>
     </dsp:sp>
   </dsp:spTree>
@@ -16147,7 +16368,7 @@
           <a:p>
             <a:fld id="{13DAB73B-1867-4496-A636-F24BBCC78317}" type="datetimeFigureOut">
               <a:rPr lang="ru-RU" smtClean="0"/>
-              <a:t>14.05.2023</a:t>
+              <a:t>16.05.2023</a:t>
             </a:fld>
             <a:endParaRPr lang="ru-RU"/>
           </a:p>
@@ -17032,7 +17253,7 @@
           <a:p>
             <a:fld id="{F1E5AAA3-0A75-4C8B-929B-DAF53BFF7A07}" type="datetimeFigureOut">
               <a:rPr lang="ru-RU" smtClean="0"/>
-              <a:t>14.05.2023</a:t>
+              <a:t>16.05.2023</a:t>
             </a:fld>
             <a:endParaRPr lang="ru-RU"/>
           </a:p>
@@ -17207,7 +17428,7 @@
           <a:p>
             <a:fld id="{F1E5AAA3-0A75-4C8B-929B-DAF53BFF7A07}" type="datetimeFigureOut">
               <a:rPr lang="ru-RU" smtClean="0"/>
-              <a:t>14.05.2023</a:t>
+              <a:t>16.05.2023</a:t>
             </a:fld>
             <a:endParaRPr lang="ru-RU"/>
           </a:p>
@@ -17392,7 +17613,7 @@
           <a:p>
             <a:fld id="{F1E5AAA3-0A75-4C8B-929B-DAF53BFF7A07}" type="datetimeFigureOut">
               <a:rPr lang="ru-RU" smtClean="0"/>
-              <a:t>14.05.2023</a:t>
+              <a:t>16.05.2023</a:t>
             </a:fld>
             <a:endParaRPr lang="ru-RU"/>
           </a:p>
@@ -17567,7 +17788,7 @@
           <a:p>
             <a:fld id="{F1E5AAA3-0A75-4C8B-929B-DAF53BFF7A07}" type="datetimeFigureOut">
               <a:rPr lang="ru-RU" smtClean="0"/>
-              <a:t>14.05.2023</a:t>
+              <a:t>16.05.2023</a:t>
             </a:fld>
             <a:endParaRPr lang="ru-RU"/>
           </a:p>
@@ -17819,7 +18040,7 @@
           <a:p>
             <a:fld id="{F1E5AAA3-0A75-4C8B-929B-DAF53BFF7A07}" type="datetimeFigureOut">
               <a:rPr lang="ru-RU" smtClean="0"/>
-              <a:t>14.05.2023</a:t>
+              <a:t>16.05.2023</a:t>
             </a:fld>
             <a:endParaRPr lang="ru-RU"/>
           </a:p>
@@ -18055,7 +18276,7 @@
           <a:p>
             <a:fld id="{F1E5AAA3-0A75-4C8B-929B-DAF53BFF7A07}" type="datetimeFigureOut">
               <a:rPr lang="ru-RU" smtClean="0"/>
-              <a:t>14.05.2023</a:t>
+              <a:t>16.05.2023</a:t>
             </a:fld>
             <a:endParaRPr lang="ru-RU"/>
           </a:p>
@@ -18426,7 +18647,7 @@
           <a:p>
             <a:fld id="{F1E5AAA3-0A75-4C8B-929B-DAF53BFF7A07}" type="datetimeFigureOut">
               <a:rPr lang="ru-RU" smtClean="0"/>
-              <a:t>14.05.2023</a:t>
+              <a:t>16.05.2023</a:t>
             </a:fld>
             <a:endParaRPr lang="ru-RU"/>
           </a:p>
@@ -18550,7 +18771,7 @@
           <a:p>
             <a:fld id="{F1E5AAA3-0A75-4C8B-929B-DAF53BFF7A07}" type="datetimeFigureOut">
               <a:rPr lang="ru-RU" smtClean="0"/>
-              <a:t>14.05.2023</a:t>
+              <a:t>16.05.2023</a:t>
             </a:fld>
             <a:endParaRPr lang="ru-RU"/>
           </a:p>
@@ -18652,7 +18873,7 @@
           <a:p>
             <a:fld id="{F1E5AAA3-0A75-4C8B-929B-DAF53BFF7A07}" type="datetimeFigureOut">
               <a:rPr lang="ru-RU" smtClean="0"/>
-              <a:t>14.05.2023</a:t>
+              <a:t>16.05.2023</a:t>
             </a:fld>
             <a:endParaRPr lang="ru-RU"/>
           </a:p>
@@ -18934,7 +19155,7 @@
           <a:p>
             <a:fld id="{F1E5AAA3-0A75-4C8B-929B-DAF53BFF7A07}" type="datetimeFigureOut">
               <a:rPr lang="ru-RU" smtClean="0"/>
-              <a:t>14.05.2023</a:t>
+              <a:t>16.05.2023</a:t>
             </a:fld>
             <a:endParaRPr lang="ru-RU"/>
           </a:p>
@@ -19193,7 +19414,7 @@
           <a:p>
             <a:fld id="{F1E5AAA3-0A75-4C8B-929B-DAF53BFF7A07}" type="datetimeFigureOut">
               <a:rPr lang="ru-RU" smtClean="0"/>
-              <a:t>14.05.2023</a:t>
+              <a:t>16.05.2023</a:t>
             </a:fld>
             <a:endParaRPr lang="ru-RU"/>
           </a:p>
@@ -19411,7 +19632,7 @@
           <a:p>
             <a:fld id="{F1E5AAA3-0A75-4C8B-929B-DAF53BFF7A07}" type="datetimeFigureOut">
               <a:rPr lang="ru-RU" smtClean="0"/>
-              <a:t>14.05.2023</a:t>
+              <a:t>16.05.2023</a:t>
             </a:fld>
             <a:endParaRPr lang="ru-RU"/>
           </a:p>
@@ -21768,8 +21989,12 @@
               <a:buNone/>
             </a:pPr>
             <a:r>
+              <a:rPr lang="ru-RU" b="1" dirty="0"/>
+              <a:t>Разработать инструкцию</a:t>
+            </a:r>
+            <a:r>
               <a:rPr lang="ru-RU" dirty="0"/>
-              <a:t>Разработать инструкцию по созданию бюджетных умных устройств.</a:t>
+              <a:t> по созданию бюджетных умных устройств.</a:t>
             </a:r>
             <a:endParaRPr lang="en-US" dirty="0"/>
           </a:p>
@@ -22279,14 +22504,14 @@
             <p:ph idx="1"/>
             <p:extLst>
               <p:ext uri="{D42A27DB-BD31-4B8C-83A1-F6EECF244321}">
-                <p14:modId xmlns:p14="http://schemas.microsoft.com/office/powerpoint/2010/main" val="4117892678"/>
+                <p14:modId xmlns:p14="http://schemas.microsoft.com/office/powerpoint/2010/main" val="1694698789"/>
               </p:ext>
             </p:extLst>
           </p:nvPr>
         </p:nvGraphicFramePr>
         <p:xfrm>
-          <a:off x="838200" y="2471653"/>
-          <a:ext cx="5558489" cy="2127493"/>
+          <a:off x="838200" y="1331572"/>
+          <a:ext cx="5558489" cy="5161302"/>
         </p:xfrm>
         <a:graphic>
           <a:graphicData uri="http://schemas.openxmlformats.org/drawingml/2006/diagram">
@@ -22893,100 +23118,6 @@
           </a:p>
         </p:txBody>
       </p:sp>
-      <p:sp>
-        <p:nvSpPr>
-          <p:cNvPr id="5" name="TextBox 4">
-            <a:extLst>
-              <a:ext uri="{FF2B5EF4-FFF2-40B4-BE49-F238E27FC236}">
-                <a16:creationId xmlns:a16="http://schemas.microsoft.com/office/drawing/2014/main" id="{4FDDCD17-24F3-8E41-B81D-EF22FD31B1F3}"/>
-              </a:ext>
-            </a:extLst>
-          </p:cNvPr>
-          <p:cNvSpPr txBox="1"/>
-          <p:nvPr/>
-        </p:nvSpPr>
-        <p:spPr>
-          <a:xfrm>
-            <a:off x="838199" y="1517546"/>
-            <a:ext cx="5170489" cy="954107"/>
-          </a:xfrm>
-          <a:prstGeom prst="rect">
-            <a:avLst/>
-          </a:prstGeom>
-          <a:noFill/>
-        </p:spPr>
-        <p:txBody>
-          <a:bodyPr wrap="square" rtlCol="0">
-            <a:spAutoFit/>
-          </a:bodyPr>
-          <a:lstStyle/>
-          <a:p>
-            <a:r>
-              <a:rPr lang="ru-RU" sz="2800" dirty="0"/>
-              <a:t>Разработать инструкции по созданию</a:t>
-            </a:r>
-          </a:p>
-        </p:txBody>
-      </p:sp>
-      <p:sp>
-        <p:nvSpPr>
-          <p:cNvPr id="6" name="TextBox 5">
-            <a:extLst>
-              <a:ext uri="{FF2B5EF4-FFF2-40B4-BE49-F238E27FC236}">
-                <a16:creationId xmlns:a16="http://schemas.microsoft.com/office/drawing/2014/main" id="{648F9AAE-A039-A2A4-FAC0-7BA912CB21C2}"/>
-              </a:ext>
-            </a:extLst>
-          </p:cNvPr>
-          <p:cNvSpPr txBox="1"/>
-          <p:nvPr/>
-        </p:nvSpPr>
-        <p:spPr>
-          <a:xfrm>
-            <a:off x="838200" y="4760346"/>
-            <a:ext cx="5558489" cy="2246769"/>
-          </a:xfrm>
-          <a:prstGeom prst="rect">
-            <a:avLst/>
-          </a:prstGeom>
-          <a:noFill/>
-        </p:spPr>
-        <p:txBody>
-          <a:bodyPr wrap="square" rtlCol="0">
-            <a:spAutoFit/>
-          </a:bodyPr>
-          <a:lstStyle/>
-          <a:p>
-            <a:r>
-              <a:rPr lang="ru-RU" sz="2800" dirty="0"/>
-              <a:t>А также разработать инструкцию по подключению</a:t>
-            </a:r>
-            <a:r>
-              <a:rPr lang="en-US" sz="2800" dirty="0"/>
-              <a:t> </a:t>
-            </a:r>
-            <a:r>
-              <a:rPr lang="ru-RU" sz="2800" dirty="0"/>
-              <a:t>к умному дому голосового помощника </a:t>
-            </a:r>
-            <a:r>
-              <a:rPr lang="en-US" sz="2800" dirty="0"/>
-              <a:t>“</a:t>
-            </a:r>
-            <a:r>
-              <a:rPr lang="ru-RU" sz="2800" dirty="0"/>
-              <a:t>Яндекс Алиса</a:t>
-            </a:r>
-            <a:r>
-              <a:rPr lang="en-US" sz="2800" dirty="0"/>
-              <a:t>”</a:t>
-            </a:r>
-            <a:endParaRPr lang="ru-RU" sz="2800" dirty="0"/>
-          </a:p>
-          <a:p>
-            <a:endParaRPr lang="ru-RU" sz="2800" dirty="0"/>
-          </a:p>
-        </p:txBody>
-      </p:sp>
     </p:spTree>
     <p:custDataLst>
       <p:tags r:id="rId1"/>
@@ -23272,7 +23403,7 @@
                             </p:stCondLst>
                             <p:childTnLst>
                               <p:par>
-                                <p:cTn id="25" presetID="6" presetClass="entr" presetSubtype="16" fill="hold" grpId="0" nodeType="clickEffect">
+                                <p:cTn id="25" presetID="10" presetClass="entr" presetSubtype="0" fill="hold" grpId="0" nodeType="clickEffect">
                                   <p:stCondLst>
                                     <p:cond delay="0"/>
                                   </p:stCondLst>
@@ -23285,10 +23416,10 @@
                                           </p:stCondLst>
                                         </p:cTn>
                                         <p:tgtEl>
-                                          <p:spTgt spid="6">
-                                            <p:txEl>
-                                              <p:pRg st="0" end="0"/>
-                                            </p:txEl>
+                                          <p:spTgt spid="4">
+                                            <p:graphicEl>
+                                              <a:dgm id="{4B66865A-4297-4272-A763-E2BCEFDF629A}"/>
+                                            </p:graphicEl>
                                           </p:spTgt>
                                         </p:tgtEl>
                                         <p:attrNameLst>
@@ -23299,14 +23430,14 @@
                                         <p:strVal val="visible"/>
                                       </p:to>
                                     </p:set>
-                                    <p:animEffect transition="in" filter="circle(in)">
+                                    <p:animEffect transition="in" filter="fade">
                                       <p:cBhvr>
-                                        <p:cTn id="27" dur="2000"/>
+                                        <p:cTn id="27" dur="500"/>
                                         <p:tgtEl>
-                                          <p:spTgt spid="6">
-                                            <p:txEl>
-                                              <p:pRg st="0" end="0"/>
-                                            </p:txEl>
+                                          <p:spTgt spid="4">
+                                            <p:graphicEl>
+                                              <a:dgm id="{4B66865A-4297-4272-A763-E2BCEFDF629A}"/>
+                                            </p:graphicEl>
                                           </p:spTgt>
                                         </p:tgtEl>
                                       </p:cBhvr>
@@ -23347,7 +23478,6 @@
           <a:bldDgm bld="one"/>
         </p:bldSub>
       </p:bldGraphic>
-      <p:bldP spid="6" grpId="0" build="allAtOnce"/>
     </p:bldLst>
   </p:timing>
 </p:sld>
@@ -24502,8 +24632,8 @@
         </p:nvSpPr>
         <p:spPr>
           <a:xfrm>
-            <a:off x="838200" y="365125"/>
-            <a:ext cx="3822189" cy="1899912"/>
+            <a:off x="838200" y="107318"/>
+            <a:ext cx="3822189" cy="1319146"/>
           </a:xfrm>
         </p:spPr>
         <p:txBody>
@@ -24513,7 +24643,7 @@
           <a:lstStyle/>
           <a:p>
             <a:r>
-              <a:rPr lang="ru-RU" sz="4000"/>
+              <a:rPr lang="ru-RU" sz="4000" dirty="0"/>
               <a:t>Выбор сервера</a:t>
             </a:r>
           </a:p>
@@ -24531,15 +24661,24 @@
         </p:nvSpPr>
         <p:spPr>
           <a:xfrm>
-            <a:off x="838200" y="2434201"/>
-            <a:ext cx="3822189" cy="2158763"/>
+            <a:off x="838200" y="1057274"/>
+            <a:ext cx="3822189" cy="3535691"/>
           </a:xfrm>
         </p:spPr>
         <p:txBody>
           <a:bodyPr>
-            <a:normAutofit fontScale="92500"/>
+            <a:noAutofit/>
           </a:bodyPr>
           <a:lstStyle/>
+          <a:p>
+            <a:pPr marL="0" indent="0">
+              <a:buNone/>
+            </a:pPr>
+            <a:r>
+              <a:rPr lang="ru-RU" sz="1900" dirty="0"/>
+              <a:t>Чтобы объединить устройства в сеть нам понадобится сервер, который будет управлять умным домом.</a:t>
+            </a:r>
+          </a:p>
           <a:p>
             <a:pPr marL="0" indent="0">
               <a:buNone/>
@@ -25689,8 +25828,8 @@
         </p:nvSpPr>
         <p:spPr>
           <a:xfrm>
-            <a:off x="409576" y="1973508"/>
-            <a:ext cx="5987113" cy="1477328"/>
+            <a:off x="467361" y="1690688"/>
+            <a:ext cx="5987113" cy="2308324"/>
           </a:xfrm>
           <a:prstGeom prst="rect">
             <a:avLst/>
@@ -25702,6 +25841,15 @@
             <a:spAutoFit/>
           </a:bodyPr>
           <a:lstStyle/>
+          <a:p>
+            <a:r>
+              <a:rPr lang="ru-RU" sz="1800" dirty="0"/>
+              <a:t>После выбора сервера нам нужно на него установить ПО, для управления умным домом.</a:t>
+            </a:r>
+          </a:p>
+          <a:p>
+            <a:endParaRPr lang="ru-RU" sz="1600" dirty="0"/>
+          </a:p>
           <a:p>
             <a:r>
               <a:rPr lang="ru-RU" sz="1800" b="1" dirty="0"/>

--- a/презентация.pptx
+++ b/презентация.pptx
@@ -16368,7 +16368,7 @@
           <a:p>
             <a:fld id="{13DAB73B-1867-4496-A636-F24BBCC78317}" type="datetimeFigureOut">
               <a:rPr lang="ru-RU" smtClean="0"/>
-              <a:t>16.05.2023</a:t>
+              <a:t>19.05.2023</a:t>
             </a:fld>
             <a:endParaRPr lang="ru-RU"/>
           </a:p>
@@ -17253,7 +17253,7 @@
           <a:p>
             <a:fld id="{F1E5AAA3-0A75-4C8B-929B-DAF53BFF7A07}" type="datetimeFigureOut">
               <a:rPr lang="ru-RU" smtClean="0"/>
-              <a:t>16.05.2023</a:t>
+              <a:t>19.05.2023</a:t>
             </a:fld>
             <a:endParaRPr lang="ru-RU"/>
           </a:p>
@@ -17428,7 +17428,7 @@
           <a:p>
             <a:fld id="{F1E5AAA3-0A75-4C8B-929B-DAF53BFF7A07}" type="datetimeFigureOut">
               <a:rPr lang="ru-RU" smtClean="0"/>
-              <a:t>16.05.2023</a:t>
+              <a:t>19.05.2023</a:t>
             </a:fld>
             <a:endParaRPr lang="ru-RU"/>
           </a:p>
@@ -17613,7 +17613,7 @@
           <a:p>
             <a:fld id="{F1E5AAA3-0A75-4C8B-929B-DAF53BFF7A07}" type="datetimeFigureOut">
               <a:rPr lang="ru-RU" smtClean="0"/>
-              <a:t>16.05.2023</a:t>
+              <a:t>19.05.2023</a:t>
             </a:fld>
             <a:endParaRPr lang="ru-RU"/>
           </a:p>
@@ -17788,7 +17788,7 @@
           <a:p>
             <a:fld id="{F1E5AAA3-0A75-4C8B-929B-DAF53BFF7A07}" type="datetimeFigureOut">
               <a:rPr lang="ru-RU" smtClean="0"/>
-              <a:t>16.05.2023</a:t>
+              <a:t>19.05.2023</a:t>
             </a:fld>
             <a:endParaRPr lang="ru-RU"/>
           </a:p>
@@ -18040,7 +18040,7 @@
           <a:p>
             <a:fld id="{F1E5AAA3-0A75-4C8B-929B-DAF53BFF7A07}" type="datetimeFigureOut">
               <a:rPr lang="ru-RU" smtClean="0"/>
-              <a:t>16.05.2023</a:t>
+              <a:t>19.05.2023</a:t>
             </a:fld>
             <a:endParaRPr lang="ru-RU"/>
           </a:p>
@@ -18276,7 +18276,7 @@
           <a:p>
             <a:fld id="{F1E5AAA3-0A75-4C8B-929B-DAF53BFF7A07}" type="datetimeFigureOut">
               <a:rPr lang="ru-RU" smtClean="0"/>
-              <a:t>16.05.2023</a:t>
+              <a:t>19.05.2023</a:t>
             </a:fld>
             <a:endParaRPr lang="ru-RU"/>
           </a:p>
@@ -18647,7 +18647,7 @@
           <a:p>
             <a:fld id="{F1E5AAA3-0A75-4C8B-929B-DAF53BFF7A07}" type="datetimeFigureOut">
               <a:rPr lang="ru-RU" smtClean="0"/>
-              <a:t>16.05.2023</a:t>
+              <a:t>19.05.2023</a:t>
             </a:fld>
             <a:endParaRPr lang="ru-RU"/>
           </a:p>
@@ -18771,7 +18771,7 @@
           <a:p>
             <a:fld id="{F1E5AAA3-0A75-4C8B-929B-DAF53BFF7A07}" type="datetimeFigureOut">
               <a:rPr lang="ru-RU" smtClean="0"/>
-              <a:t>16.05.2023</a:t>
+              <a:t>19.05.2023</a:t>
             </a:fld>
             <a:endParaRPr lang="ru-RU"/>
           </a:p>
@@ -18873,7 +18873,7 @@
           <a:p>
             <a:fld id="{F1E5AAA3-0A75-4C8B-929B-DAF53BFF7A07}" type="datetimeFigureOut">
               <a:rPr lang="ru-RU" smtClean="0"/>
-              <a:t>16.05.2023</a:t>
+              <a:t>19.05.2023</a:t>
             </a:fld>
             <a:endParaRPr lang="ru-RU"/>
           </a:p>
@@ -19155,7 +19155,7 @@
           <a:p>
             <a:fld id="{F1E5AAA3-0A75-4C8B-929B-DAF53BFF7A07}" type="datetimeFigureOut">
               <a:rPr lang="ru-RU" smtClean="0"/>
-              <a:t>16.05.2023</a:t>
+              <a:t>19.05.2023</a:t>
             </a:fld>
             <a:endParaRPr lang="ru-RU"/>
           </a:p>
@@ -19414,7 +19414,7 @@
           <a:p>
             <a:fld id="{F1E5AAA3-0A75-4C8B-929B-DAF53BFF7A07}" type="datetimeFigureOut">
               <a:rPr lang="ru-RU" smtClean="0"/>
-              <a:t>16.05.2023</a:t>
+              <a:t>19.05.2023</a:t>
             </a:fld>
             <a:endParaRPr lang="ru-RU"/>
           </a:p>
@@ -19632,7 +19632,7 @@
           <a:p>
             <a:fld id="{F1E5AAA3-0A75-4C8B-929B-DAF53BFF7A07}" type="datetimeFigureOut">
               <a:rPr lang="ru-RU" smtClean="0"/>
-              <a:t>16.05.2023</a:t>
+              <a:t>19.05.2023</a:t>
             </a:fld>
             <a:endParaRPr lang="ru-RU"/>
           </a:p>
@@ -20835,89 +20835,54 @@
           </a:p>
         </p:txBody>
       </p:sp>
-      <p:sp>
-        <p:nvSpPr>
-          <p:cNvPr id="4" name="Прямоугольник 3">
+      <p:pic>
+        <p:nvPicPr>
+          <p:cNvPr id="6" name="Picture 2">
+            <a:hlinkClick r:id="rId4"/>
             <a:extLst>
               <a:ext uri="{FF2B5EF4-FFF2-40B4-BE49-F238E27FC236}">
-                <a16:creationId xmlns:a16="http://schemas.microsoft.com/office/drawing/2014/main" id="{37696695-5BDF-B5AA-91C6-4DDA9FEEA322}"/>
+                <a16:creationId xmlns:a16="http://schemas.microsoft.com/office/drawing/2014/main" id="{7CD8AADB-F828-B2C2-ABB7-F606E0399CAA}"/>
               </a:ext>
             </a:extLst>
           </p:cNvPr>
-          <p:cNvSpPr/>
+          <p:cNvPicPr>
+            <a:picLocks noChangeAspect="1" noChangeArrowheads="1"/>
+          </p:cNvPicPr>
           <p:nvPr/>
-        </p:nvSpPr>
-        <p:spPr>
-          <a:xfrm>
-            <a:off x="1143000" y="3995928"/>
-            <a:ext cx="1730500" cy="1591056"/>
-          </a:xfrm>
-          <a:prstGeom prst="rect">
-            <a:avLst/>
-          </a:prstGeom>
-        </p:spPr>
-        <p:style>
-          <a:lnRef idx="2">
-            <a:schemeClr val="dk1"/>
-          </a:lnRef>
-          <a:fillRef idx="1">
-            <a:schemeClr val="lt1"/>
-          </a:fillRef>
-          <a:effectRef idx="0">
-            <a:schemeClr val="dk1"/>
-          </a:effectRef>
-          <a:fontRef idx="minor">
-            <a:schemeClr val="dk1"/>
-          </a:fontRef>
-        </p:style>
-        <p:txBody>
-          <a:bodyPr rtlCol="0" anchor="ctr"/>
-          <a:lstStyle/>
-          <a:p>
-            <a:pPr algn="ctr"/>
-            <a:endParaRPr lang="ru-RU"/>
-          </a:p>
-        </p:txBody>
-      </p:sp>
-      <p:sp>
-        <p:nvSpPr>
-          <p:cNvPr id="5" name="TextBox 4">
+        </p:nvPicPr>
+        <p:blipFill>
+          <a:blip r:embed="rId5">
             <a:extLst>
-              <a:ext uri="{FF2B5EF4-FFF2-40B4-BE49-F238E27FC236}">
-                <a16:creationId xmlns:a16="http://schemas.microsoft.com/office/drawing/2014/main" id="{45263C86-9C6A-6022-EF26-368F04FEE826}"/>
+              <a:ext uri="{28A0092B-C50C-407E-A947-70E740481C1C}">
+                <a14:useLocalDpi xmlns:a14="http://schemas.microsoft.com/office/drawing/2010/main" val="0"/>
               </a:ext>
             </a:extLst>
-          </p:cNvPr>
-          <p:cNvSpPr txBox="1"/>
-          <p:nvPr/>
-        </p:nvSpPr>
-        <p:spPr>
+          </a:blip>
+          <a:srcRect/>
+          <a:stretch>
+            <a:fillRect/>
+          </a:stretch>
+        </p:blipFill>
+        <p:spPr bwMode="auto">
           <a:xfrm>
-            <a:off x="1499616" y="4590288"/>
-            <a:ext cx="1024128" cy="369332"/>
+            <a:off x="572390" y="3657601"/>
+            <a:ext cx="2835274" cy="2835274"/>
           </a:xfrm>
           <a:prstGeom prst="rect">
             <a:avLst/>
           </a:prstGeom>
           <a:noFill/>
+          <a:extLst>
+            <a:ext uri="{909E8E84-426E-40DD-AFC4-6F175D3DCCD1}">
+              <a14:hiddenFill xmlns:a14="http://schemas.microsoft.com/office/drawing/2010/main">
+                <a:solidFill>
+                  <a:srgbClr val="FFFFFF"/>
+                </a:solidFill>
+              </a14:hiddenFill>
+            </a:ext>
+          </a:extLst>
         </p:spPr>
-        <p:txBody>
-          <a:bodyPr wrap="square" rtlCol="0">
-            <a:spAutoFit/>
-          </a:bodyPr>
-          <a:lstStyle/>
-          <a:p>
-            <a:r>
-              <a:rPr lang="en-US" dirty="0"/>
-              <a:t>QR-</a:t>
-            </a:r>
-            <a:r>
-              <a:rPr lang="ru-RU" dirty="0"/>
-              <a:t>код</a:t>
-            </a:r>
-          </a:p>
-        </p:txBody>
-      </p:sp>
+      </p:pic>
     </p:spTree>
   </p:cSld>
   <p:clrMapOvr>
